--- a/StoryBorard---ProtoPersona---UserStories/Proto-Personas.pptx
+++ b/StoryBorard---ProtoPersona---UserStories/Proto-Personas.pptx
@@ -1,166 +1,30 @@
 
 <file path=ppt/presentation.xml><?xml version="1.0" encoding="utf-8"?>
-<p:presentation xmlns:a="http://schemas.openxmlformats.org/drawingml/2006/main" xmlns:r="http://schemas.openxmlformats.org/officeDocument/2006/relationships" xmlns:p="http://schemas.openxmlformats.org/presentationml/2006/main" saveSubsetFonts="1" embedTrueTypeFonts="true">
+<p:presentation xmlns:a="http://schemas.openxmlformats.org/drawingml/2006/main" xmlns:r="http://schemas.openxmlformats.org/officeDocument/2006/relationships" xmlns:p="http://schemas.openxmlformats.org/presentationml/2006/main" embedTrueTypeFonts="1" saveSubsetFonts="1">
   <p:sldMasterIdLst>
     <p:sldMasterId id="2147483648" r:id="rId1"/>
   </p:sldMasterIdLst>
   <p:sldIdLst>
-    <p:sldId id="256" r:id="rId44"/>
+    <p:sldId id="256" r:id="rId2"/>
   </p:sldIdLst>
   <p:sldSz cx="18288000" cy="10287000"/>
   <p:notesSz cx="6858000" cy="9144000"/>
   <p:embeddedFontLst>
     <p:embeddedFont>
-      <p:font typeface="Arimo" charset="1" panose="020B0604020202020204"/>
-      <p:regular r:id="rId6"/>
+      <p:font typeface="Muli" panose="020B0604020202020204" charset="0"/>
+      <p:regular r:id="rId3"/>
     </p:embeddedFont>
     <p:embeddedFont>
-      <p:font typeface="Arimo Bold" charset="1" panose="020B0704020202020204"/>
-      <p:regular r:id="rId7"/>
+      <p:font typeface="Muli Bold" panose="020B0604020202020204" charset="0"/>
+      <p:regular r:id="rId4"/>
     </p:embeddedFont>
     <p:embeddedFont>
-      <p:font typeface="Arimo Italics" charset="1" panose="020B0604020202090204"/>
-      <p:regular r:id="rId8"/>
+      <p:font typeface="Muli Semi-Bold" panose="020B0604020202020204" charset="0"/>
+      <p:regular r:id="rId5"/>
     </p:embeddedFont>
     <p:embeddedFont>
-      <p:font typeface="Arimo Bold Italics" charset="1" panose="020B0704020202090204"/>
-      <p:regular r:id="rId9"/>
-    </p:embeddedFont>
-    <p:embeddedFont>
-      <p:font typeface="Open Sauce" charset="1" panose="00000500000000000000"/>
-      <p:regular r:id="rId10"/>
-    </p:embeddedFont>
-    <p:embeddedFont>
-      <p:font typeface="Open Sauce Bold" charset="1" panose="00000800000000000000"/>
-      <p:regular r:id="rId11"/>
-    </p:embeddedFont>
-    <p:embeddedFont>
-      <p:font typeface="Open Sauce Italics" charset="1" panose="00000500000000000000"/>
-      <p:regular r:id="rId12"/>
-    </p:embeddedFont>
-    <p:embeddedFont>
-      <p:font typeface="Open Sauce Bold Italics" charset="1" panose="00000800000000000000"/>
-      <p:regular r:id="rId13"/>
-    </p:embeddedFont>
-    <p:embeddedFont>
-      <p:font typeface="Open Sauce Light" charset="1" panose="00000400000000000000"/>
-      <p:regular r:id="rId14"/>
-    </p:embeddedFont>
-    <p:embeddedFont>
-      <p:font typeface="Open Sauce Light Italics" charset="1" panose="00000400000000000000"/>
-      <p:regular r:id="rId15"/>
-    </p:embeddedFont>
-    <p:embeddedFont>
-      <p:font typeface="Open Sauce Medium" charset="1" panose="00000600000000000000"/>
-      <p:regular r:id="rId16"/>
-    </p:embeddedFont>
-    <p:embeddedFont>
-      <p:font typeface="Open Sauce Medium Italics" charset="1" panose="00000600000000000000"/>
-      <p:regular r:id="rId17"/>
-    </p:embeddedFont>
-    <p:embeddedFont>
-      <p:font typeface="Open Sauce Semi-Bold" charset="1" panose="00000700000000000000"/>
-      <p:regular r:id="rId18"/>
-    </p:embeddedFont>
-    <p:embeddedFont>
-      <p:font typeface="Open Sauce Semi-Bold Italics" charset="1" panose="00000700000000000000"/>
-      <p:regular r:id="rId19"/>
-    </p:embeddedFont>
-    <p:embeddedFont>
-      <p:font typeface="Open Sauce Heavy" charset="1" panose="00000A00000000000000"/>
-      <p:regular r:id="rId20"/>
-    </p:embeddedFont>
-    <p:embeddedFont>
-      <p:font typeface="Open Sauce Heavy Italics" charset="1" panose="00000A00000000000000"/>
-      <p:regular r:id="rId21"/>
-    </p:embeddedFont>
-    <p:embeddedFont>
-      <p:font typeface="Open Sans" charset="1" panose="020B0606030504020204"/>
-      <p:regular r:id="rId22"/>
-    </p:embeddedFont>
-    <p:embeddedFont>
-      <p:font typeface="Open Sans Bold" charset="1" panose="020B0806030504020204"/>
-      <p:regular r:id="rId23"/>
-    </p:embeddedFont>
-    <p:embeddedFont>
-      <p:font typeface="Open Sans Italics" charset="1" panose="020B0606030504020204"/>
-      <p:regular r:id="rId24"/>
-    </p:embeddedFont>
-    <p:embeddedFont>
-      <p:font typeface="Open Sans Bold Italics" charset="1" panose="020B0806030504020204"/>
-      <p:regular r:id="rId25"/>
-    </p:embeddedFont>
-    <p:embeddedFont>
-      <p:font typeface="Open Sans Light" charset="1" panose="020B0306030504020204"/>
-      <p:regular r:id="rId26"/>
-    </p:embeddedFont>
-    <p:embeddedFont>
-      <p:font typeface="Open Sans Light Italics" charset="1" panose="020B0306030504020204"/>
-      <p:regular r:id="rId27"/>
-    </p:embeddedFont>
-    <p:embeddedFont>
-      <p:font typeface="Open Sans Ultra-Bold" charset="1" panose="00000000000000000000"/>
-      <p:regular r:id="rId28"/>
-    </p:embeddedFont>
-    <p:embeddedFont>
-      <p:font typeface="Open Sans Ultra-Bold Italics" charset="1" panose="00000000000000000000"/>
-      <p:regular r:id="rId29"/>
-    </p:embeddedFont>
-    <p:embeddedFont>
-      <p:font typeface="Muli" charset="1" panose="00000500000000000000"/>
-      <p:regular r:id="rId30"/>
-    </p:embeddedFont>
-    <p:embeddedFont>
-      <p:font typeface="Muli Bold" charset="1" panose="00000800000000000000"/>
-      <p:regular r:id="rId31"/>
-    </p:embeddedFont>
-    <p:embeddedFont>
-      <p:font typeface="Muli Italics" charset="1" panose="00000500000000000000"/>
-      <p:regular r:id="rId32"/>
-    </p:embeddedFont>
-    <p:embeddedFont>
-      <p:font typeface="Muli Bold Italics" charset="1" panose="00000800000000000000"/>
-      <p:regular r:id="rId33"/>
-    </p:embeddedFont>
-    <p:embeddedFont>
-      <p:font typeface="Muli Extra-Light" charset="1" panose="00000300000000000000"/>
-      <p:regular r:id="rId34"/>
-    </p:embeddedFont>
-    <p:embeddedFont>
-      <p:font typeface="Muli Extra-Light Italics" charset="1" panose="00000300000000000000"/>
-      <p:regular r:id="rId35"/>
-    </p:embeddedFont>
-    <p:embeddedFont>
-      <p:font typeface="Muli Light" charset="1" panose="00000400000000000000"/>
-      <p:regular r:id="rId36"/>
-    </p:embeddedFont>
-    <p:embeddedFont>
-      <p:font typeface="Muli Light Italics" charset="1" panose="00000400000000000000"/>
-      <p:regular r:id="rId37"/>
-    </p:embeddedFont>
-    <p:embeddedFont>
-      <p:font typeface="Muli Semi-Bold" charset="1" panose="00000700000000000000"/>
-      <p:regular r:id="rId38"/>
-    </p:embeddedFont>
-    <p:embeddedFont>
-      <p:font typeface="Muli Semi-Bold Italics" charset="1" panose="00000700000000000000"/>
-      <p:regular r:id="rId39"/>
-    </p:embeddedFont>
-    <p:embeddedFont>
-      <p:font typeface="Muli Ultra-Bold" charset="1" panose="00000900000000000000"/>
-      <p:regular r:id="rId40"/>
-    </p:embeddedFont>
-    <p:embeddedFont>
-      <p:font typeface="Muli Ultra-Bold Italics" charset="1" panose="00000900000000000000"/>
-      <p:regular r:id="rId41"/>
-    </p:embeddedFont>
-    <p:embeddedFont>
-      <p:font typeface="Muli Heavy" charset="1" panose="00000A00000000000000"/>
-      <p:regular r:id="rId42"/>
-    </p:embeddedFont>
-    <p:embeddedFont>
-      <p:font typeface="Muli Heavy Italics" charset="1" panose="00000A00000000000000"/>
-      <p:regular r:id="rId43"/>
+      <p:font typeface="Open Sans" panose="020B0606030504020204" pitchFamily="34" charset="0"/>
+      <p:regular r:id="rId6"/>
     </p:embeddedFont>
   </p:embeddedFontLst>
   <p:defaultTextStyle>
@@ -258,6 +122,22 @@
       </a:defRPr>
     </a:lvl9pPr>
   </p:defaultTextStyle>
+  <p:extLst>
+    <p:ext uri="{EFAFB233-063F-42B5-8137-9DF3F51BA10A}">
+      <p15:sldGuideLst xmlns:p15="http://schemas.microsoft.com/office/powerpoint/2012/main">
+        <p15:guide id="1" orient="horz" pos="2160">
+          <p15:clr>
+            <a:srgbClr val="A4A3A4"/>
+          </p15:clr>
+        </p15:guide>
+        <p15:guide id="2" pos="2880">
+          <p15:clr>
+            <a:srgbClr val="A4A3A4"/>
+          </p15:clr>
+        </p15:guide>
+      </p15:sldGuideLst>
+    </p:ext>
+  </p:extLst>
 </p:presentation>
 </file>
 
@@ -299,10 +179,9 @@
           <a:lstStyle/>
           <a:p>
             <a:r>
-              <a:rPr lang="en-US" smtClean="0"/>
+              <a:rPr lang="en-US"/>
               <a:t>Click to edit Master title style</a:t>
             </a:r>
-            <a:endParaRPr lang="en-US"/>
           </a:p>
         </p:txBody>
       </p:sp>
@@ -418,10 +297,9 @@
           </a:lstStyle>
           <a:p>
             <a:r>
-              <a:rPr lang="en-US" smtClean="0"/>
+              <a:rPr lang="en-US"/>
               <a:t>Click to edit Master subtitle style</a:t>
             </a:r>
-            <a:endParaRPr lang="en-US"/>
           </a:p>
         </p:txBody>
       </p:sp>
@@ -443,7 +321,7 @@
             <a:fld id="{1D8BD707-D9CF-40AE-B4C6-C98DA3205C09}" type="datetimeFigureOut">
               <a:rPr lang="en-US" smtClean="0"/>
               <a:pPr/>
-              <a:t>8/1/2011</a:t>
+              <a:t>4/24/2024</a:t>
             </a:fld>
             <a:endParaRPr lang="en-US"/>
           </a:p>
@@ -486,7 +364,7 @@
             <a:fld id="{B6F15528-21DE-4FAA-801E-634DDDAF4B2B}" type="slidenum">
               <a:rPr lang="en-US" smtClean="0"/>
               <a:pPr/>
-              <a:t>‹#›</a:t>
+              <a:t>‹nº›</a:t>
             </a:fld>
             <a:endParaRPr lang="en-US"/>
           </a:p>
@@ -533,10 +411,9 @@
           <a:lstStyle/>
           <a:p>
             <a:r>
-              <a:rPr lang="en-US" smtClean="0"/>
+              <a:rPr lang="en-US"/>
               <a:t>Click to edit Master title style</a:t>
             </a:r>
-            <a:endParaRPr lang="en-US"/>
           </a:p>
         </p:txBody>
       </p:sp>
@@ -557,38 +434,37 @@
           <a:p>
             <a:pPr lvl="0"/>
             <a:r>
-              <a:rPr lang="en-US" smtClean="0"/>
+              <a:rPr lang="en-US"/>
               <a:t>Click to edit Master text styles</a:t>
             </a:r>
           </a:p>
           <a:p>
             <a:pPr lvl="1"/>
             <a:r>
-              <a:rPr lang="en-US" smtClean="0"/>
+              <a:rPr lang="en-US"/>
               <a:t>Second level</a:t>
             </a:r>
           </a:p>
           <a:p>
             <a:pPr lvl="2"/>
             <a:r>
-              <a:rPr lang="en-US" smtClean="0"/>
+              <a:rPr lang="en-US"/>
               <a:t>Third level</a:t>
             </a:r>
           </a:p>
           <a:p>
             <a:pPr lvl="3"/>
             <a:r>
-              <a:rPr lang="en-US" smtClean="0"/>
+              <a:rPr lang="en-US"/>
               <a:t>Fourth level</a:t>
             </a:r>
           </a:p>
           <a:p>
             <a:pPr lvl="4"/>
             <a:r>
-              <a:rPr lang="en-US" smtClean="0"/>
+              <a:rPr lang="en-US"/>
               <a:t>Fifth level</a:t>
             </a:r>
-            <a:endParaRPr lang="en-US"/>
           </a:p>
         </p:txBody>
       </p:sp>
@@ -610,7 +486,7 @@
             <a:fld id="{1D8BD707-D9CF-40AE-B4C6-C98DA3205C09}" type="datetimeFigureOut">
               <a:rPr lang="en-US" smtClean="0"/>
               <a:pPr/>
-              <a:t>8/1/2011</a:t>
+              <a:t>4/24/2024</a:t>
             </a:fld>
             <a:endParaRPr lang="en-US"/>
           </a:p>
@@ -653,7 +529,7 @@
             <a:fld id="{B6F15528-21DE-4FAA-801E-634DDDAF4B2B}" type="slidenum">
               <a:rPr lang="en-US" smtClean="0"/>
               <a:pPr/>
-              <a:t>‹#›</a:t>
+              <a:t>‹nº›</a:t>
             </a:fld>
             <a:endParaRPr lang="en-US"/>
           </a:p>
@@ -705,10 +581,9 @@
           <a:lstStyle/>
           <a:p>
             <a:r>
-              <a:rPr lang="en-US" smtClean="0"/>
+              <a:rPr lang="en-US"/>
               <a:t>Click to edit Master title style</a:t>
             </a:r>
-            <a:endParaRPr lang="en-US"/>
           </a:p>
         </p:txBody>
       </p:sp>
@@ -734,38 +609,37 @@
           <a:p>
             <a:pPr lvl="0"/>
             <a:r>
-              <a:rPr lang="en-US" smtClean="0"/>
+              <a:rPr lang="en-US"/>
               <a:t>Click to edit Master text styles</a:t>
             </a:r>
           </a:p>
           <a:p>
             <a:pPr lvl="1"/>
             <a:r>
-              <a:rPr lang="en-US" smtClean="0"/>
+              <a:rPr lang="en-US"/>
               <a:t>Second level</a:t>
             </a:r>
           </a:p>
           <a:p>
             <a:pPr lvl="2"/>
             <a:r>
-              <a:rPr lang="en-US" smtClean="0"/>
+              <a:rPr lang="en-US"/>
               <a:t>Third level</a:t>
             </a:r>
           </a:p>
           <a:p>
             <a:pPr lvl="3"/>
             <a:r>
-              <a:rPr lang="en-US" smtClean="0"/>
+              <a:rPr lang="en-US"/>
               <a:t>Fourth level</a:t>
             </a:r>
           </a:p>
           <a:p>
             <a:pPr lvl="4"/>
             <a:r>
-              <a:rPr lang="en-US" smtClean="0"/>
+              <a:rPr lang="en-US"/>
               <a:t>Fifth level</a:t>
             </a:r>
-            <a:endParaRPr lang="en-US"/>
           </a:p>
         </p:txBody>
       </p:sp>
@@ -787,7 +661,7 @@
             <a:fld id="{1D8BD707-D9CF-40AE-B4C6-C98DA3205C09}" type="datetimeFigureOut">
               <a:rPr lang="en-US" smtClean="0"/>
               <a:pPr/>
-              <a:t>8/1/2011</a:t>
+              <a:t>4/24/2024</a:t>
             </a:fld>
             <a:endParaRPr lang="en-US"/>
           </a:p>
@@ -830,7 +704,7 @@
             <a:fld id="{B6F15528-21DE-4FAA-801E-634DDDAF4B2B}" type="slidenum">
               <a:rPr lang="en-US" smtClean="0"/>
               <a:pPr/>
-              <a:t>‹#›</a:t>
+              <a:t>‹nº›</a:t>
             </a:fld>
             <a:endParaRPr lang="en-US"/>
           </a:p>
@@ -877,10 +751,9 @@
           <a:lstStyle/>
           <a:p>
             <a:r>
-              <a:rPr lang="en-US" smtClean="0"/>
+              <a:rPr lang="en-US"/>
               <a:t>Click to edit Master title style</a:t>
             </a:r>
-            <a:endParaRPr lang="en-US"/>
           </a:p>
         </p:txBody>
       </p:sp>
@@ -901,38 +774,37 @@
           <a:p>
             <a:pPr lvl="0"/>
             <a:r>
-              <a:rPr lang="en-US" smtClean="0"/>
+              <a:rPr lang="en-US"/>
               <a:t>Click to edit Master text styles</a:t>
             </a:r>
           </a:p>
           <a:p>
             <a:pPr lvl="1"/>
             <a:r>
-              <a:rPr lang="en-US" smtClean="0"/>
+              <a:rPr lang="en-US"/>
               <a:t>Second level</a:t>
             </a:r>
           </a:p>
           <a:p>
             <a:pPr lvl="2"/>
             <a:r>
-              <a:rPr lang="en-US" smtClean="0"/>
+              <a:rPr lang="en-US"/>
               <a:t>Third level</a:t>
             </a:r>
           </a:p>
           <a:p>
             <a:pPr lvl="3"/>
             <a:r>
-              <a:rPr lang="en-US" smtClean="0"/>
+              <a:rPr lang="en-US"/>
               <a:t>Fourth level</a:t>
             </a:r>
           </a:p>
           <a:p>
             <a:pPr lvl="4"/>
             <a:r>
-              <a:rPr lang="en-US" smtClean="0"/>
+              <a:rPr lang="en-US"/>
               <a:t>Fifth level</a:t>
             </a:r>
-            <a:endParaRPr lang="en-US"/>
           </a:p>
         </p:txBody>
       </p:sp>
@@ -954,7 +826,7 @@
             <a:fld id="{1D8BD707-D9CF-40AE-B4C6-C98DA3205C09}" type="datetimeFigureOut">
               <a:rPr lang="en-US" smtClean="0"/>
               <a:pPr/>
-              <a:t>8/1/2011</a:t>
+              <a:t>4/24/2024</a:t>
             </a:fld>
             <a:endParaRPr lang="en-US"/>
           </a:p>
@@ -997,7 +869,7 @@
             <a:fld id="{B6F15528-21DE-4FAA-801E-634DDDAF4B2B}" type="slidenum">
               <a:rPr lang="en-US" smtClean="0"/>
               <a:pPr/>
-              <a:t>‹#›</a:t>
+              <a:t>‹nº›</a:t>
             </a:fld>
             <a:endParaRPr lang="en-US"/>
           </a:p>
@@ -1053,10 +925,9 @@
           </a:lstStyle>
           <a:p>
             <a:r>
-              <a:rPr lang="en-US" smtClean="0"/>
+              <a:rPr lang="en-US"/>
               <a:t>Click to edit Master title style</a:t>
             </a:r>
-            <a:endParaRPr lang="en-US"/>
           </a:p>
         </p:txBody>
       </p:sp>
@@ -1173,7 +1044,7 @@
           <a:p>
             <a:pPr lvl="0"/>
             <a:r>
-              <a:rPr lang="en-US" smtClean="0"/>
+              <a:rPr lang="en-US"/>
               <a:t>Click to edit Master text styles</a:t>
             </a:r>
           </a:p>
@@ -1197,7 +1068,7 @@
             <a:fld id="{1D8BD707-D9CF-40AE-B4C6-C98DA3205C09}" type="datetimeFigureOut">
               <a:rPr lang="en-US" smtClean="0"/>
               <a:pPr/>
-              <a:t>8/1/2011</a:t>
+              <a:t>4/24/2024</a:t>
             </a:fld>
             <a:endParaRPr lang="en-US"/>
           </a:p>
@@ -1240,7 +1111,7 @@
             <a:fld id="{B6F15528-21DE-4FAA-801E-634DDDAF4B2B}" type="slidenum">
               <a:rPr lang="en-US" smtClean="0"/>
               <a:pPr/>
-              <a:t>‹#›</a:t>
+              <a:t>‹nº›</a:t>
             </a:fld>
             <a:endParaRPr lang="en-US"/>
           </a:p>
@@ -1287,10 +1158,9 @@
           <a:lstStyle/>
           <a:p>
             <a:r>
-              <a:rPr lang="en-US" smtClean="0"/>
+              <a:rPr lang="en-US"/>
               <a:t>Click to edit Master title style</a:t>
             </a:r>
-            <a:endParaRPr lang="en-US"/>
           </a:p>
         </p:txBody>
       </p:sp>
@@ -1344,38 +1214,37 @@
           <a:p>
             <a:pPr lvl="0"/>
             <a:r>
-              <a:rPr lang="en-US" smtClean="0"/>
+              <a:rPr lang="en-US"/>
               <a:t>Click to edit Master text styles</a:t>
             </a:r>
           </a:p>
           <a:p>
             <a:pPr lvl="1"/>
             <a:r>
-              <a:rPr lang="en-US" smtClean="0"/>
+              <a:rPr lang="en-US"/>
               <a:t>Second level</a:t>
             </a:r>
           </a:p>
           <a:p>
             <a:pPr lvl="2"/>
             <a:r>
-              <a:rPr lang="en-US" smtClean="0"/>
+              <a:rPr lang="en-US"/>
               <a:t>Third level</a:t>
             </a:r>
           </a:p>
           <a:p>
             <a:pPr lvl="3"/>
             <a:r>
-              <a:rPr lang="en-US" smtClean="0"/>
+              <a:rPr lang="en-US"/>
               <a:t>Fourth level</a:t>
             </a:r>
           </a:p>
           <a:p>
             <a:pPr lvl="4"/>
             <a:r>
-              <a:rPr lang="en-US" smtClean="0"/>
+              <a:rPr lang="en-US"/>
               <a:t>Fifth level</a:t>
             </a:r>
-            <a:endParaRPr lang="en-US"/>
           </a:p>
         </p:txBody>
       </p:sp>
@@ -1429,38 +1298,37 @@
           <a:p>
             <a:pPr lvl="0"/>
             <a:r>
-              <a:rPr lang="en-US" smtClean="0"/>
+              <a:rPr lang="en-US"/>
               <a:t>Click to edit Master text styles</a:t>
             </a:r>
           </a:p>
           <a:p>
             <a:pPr lvl="1"/>
             <a:r>
-              <a:rPr lang="en-US" smtClean="0"/>
+              <a:rPr lang="en-US"/>
               <a:t>Second level</a:t>
             </a:r>
           </a:p>
           <a:p>
             <a:pPr lvl="2"/>
             <a:r>
-              <a:rPr lang="en-US" smtClean="0"/>
+              <a:rPr lang="en-US"/>
               <a:t>Third level</a:t>
             </a:r>
           </a:p>
           <a:p>
             <a:pPr lvl="3"/>
             <a:r>
-              <a:rPr lang="en-US" smtClean="0"/>
+              <a:rPr lang="en-US"/>
               <a:t>Fourth level</a:t>
             </a:r>
           </a:p>
           <a:p>
             <a:pPr lvl="4"/>
             <a:r>
-              <a:rPr lang="en-US" smtClean="0"/>
+              <a:rPr lang="en-US"/>
               <a:t>Fifth level</a:t>
             </a:r>
-            <a:endParaRPr lang="en-US"/>
           </a:p>
         </p:txBody>
       </p:sp>
@@ -1482,7 +1350,7 @@
             <a:fld id="{1D8BD707-D9CF-40AE-B4C6-C98DA3205C09}" type="datetimeFigureOut">
               <a:rPr lang="en-US" smtClean="0"/>
               <a:pPr/>
-              <a:t>8/1/2011</a:t>
+              <a:t>4/24/2024</a:t>
             </a:fld>
             <a:endParaRPr lang="en-US"/>
           </a:p>
@@ -1525,7 +1393,7 @@
             <a:fld id="{B6F15528-21DE-4FAA-801E-634DDDAF4B2B}" type="slidenum">
               <a:rPr lang="en-US" smtClean="0"/>
               <a:pPr/>
-              <a:t>‹#›</a:t>
+              <a:t>‹nº›</a:t>
             </a:fld>
             <a:endParaRPr lang="en-US"/>
           </a:p>
@@ -1576,10 +1444,9 @@
           </a:lstStyle>
           <a:p>
             <a:r>
-              <a:rPr lang="en-US" smtClean="0"/>
+              <a:rPr lang="en-US"/>
               <a:t>Click to edit Master title style</a:t>
             </a:r>
-            <a:endParaRPr lang="en-US"/>
           </a:p>
         </p:txBody>
       </p:sp>
@@ -1642,7 +1509,7 @@
           <a:p>
             <a:pPr lvl="0"/>
             <a:r>
-              <a:rPr lang="en-US" smtClean="0"/>
+              <a:rPr lang="en-US"/>
               <a:t>Click to edit Master text styles</a:t>
             </a:r>
           </a:p>
@@ -1698,38 +1565,37 @@
           <a:p>
             <a:pPr lvl="0"/>
             <a:r>
-              <a:rPr lang="en-US" smtClean="0"/>
+              <a:rPr lang="en-US"/>
               <a:t>Click to edit Master text styles</a:t>
             </a:r>
           </a:p>
           <a:p>
             <a:pPr lvl="1"/>
             <a:r>
-              <a:rPr lang="en-US" smtClean="0"/>
+              <a:rPr lang="en-US"/>
               <a:t>Second level</a:t>
             </a:r>
           </a:p>
           <a:p>
             <a:pPr lvl="2"/>
             <a:r>
-              <a:rPr lang="en-US" smtClean="0"/>
+              <a:rPr lang="en-US"/>
               <a:t>Third level</a:t>
             </a:r>
           </a:p>
           <a:p>
             <a:pPr lvl="3"/>
             <a:r>
-              <a:rPr lang="en-US" smtClean="0"/>
+              <a:rPr lang="en-US"/>
               <a:t>Fourth level</a:t>
             </a:r>
           </a:p>
           <a:p>
             <a:pPr lvl="4"/>
             <a:r>
-              <a:rPr lang="en-US" smtClean="0"/>
+              <a:rPr lang="en-US"/>
               <a:t>Fifth level</a:t>
             </a:r>
-            <a:endParaRPr lang="en-US"/>
           </a:p>
         </p:txBody>
       </p:sp>
@@ -1792,7 +1658,7 @@
           <a:p>
             <a:pPr lvl="0"/>
             <a:r>
-              <a:rPr lang="en-US" smtClean="0"/>
+              <a:rPr lang="en-US"/>
               <a:t>Click to edit Master text styles</a:t>
             </a:r>
           </a:p>
@@ -1848,38 +1714,37 @@
           <a:p>
             <a:pPr lvl="0"/>
             <a:r>
-              <a:rPr lang="en-US" smtClean="0"/>
+              <a:rPr lang="en-US"/>
               <a:t>Click to edit Master text styles</a:t>
             </a:r>
           </a:p>
           <a:p>
             <a:pPr lvl="1"/>
             <a:r>
-              <a:rPr lang="en-US" smtClean="0"/>
+              <a:rPr lang="en-US"/>
               <a:t>Second level</a:t>
             </a:r>
           </a:p>
           <a:p>
             <a:pPr lvl="2"/>
             <a:r>
-              <a:rPr lang="en-US" smtClean="0"/>
+              <a:rPr lang="en-US"/>
               <a:t>Third level</a:t>
             </a:r>
           </a:p>
           <a:p>
             <a:pPr lvl="3"/>
             <a:r>
-              <a:rPr lang="en-US" smtClean="0"/>
+              <a:rPr lang="en-US"/>
               <a:t>Fourth level</a:t>
             </a:r>
           </a:p>
           <a:p>
             <a:pPr lvl="4"/>
             <a:r>
-              <a:rPr lang="en-US" smtClean="0"/>
+              <a:rPr lang="en-US"/>
               <a:t>Fifth level</a:t>
             </a:r>
-            <a:endParaRPr lang="en-US"/>
           </a:p>
         </p:txBody>
       </p:sp>
@@ -1901,7 +1766,7 @@
             <a:fld id="{1D8BD707-D9CF-40AE-B4C6-C98DA3205C09}" type="datetimeFigureOut">
               <a:rPr lang="en-US" smtClean="0"/>
               <a:pPr/>
-              <a:t>8/1/2011</a:t>
+              <a:t>4/24/2024</a:t>
             </a:fld>
             <a:endParaRPr lang="en-US"/>
           </a:p>
@@ -1944,7 +1809,7 @@
             <a:fld id="{B6F15528-21DE-4FAA-801E-634DDDAF4B2B}" type="slidenum">
               <a:rPr lang="en-US" smtClean="0"/>
               <a:pPr/>
-              <a:t>‹#›</a:t>
+              <a:t>‹nº›</a:t>
             </a:fld>
             <a:endParaRPr lang="en-US"/>
           </a:p>
@@ -1991,10 +1856,9 @@
           <a:lstStyle/>
           <a:p>
             <a:r>
-              <a:rPr lang="en-US" smtClean="0"/>
+              <a:rPr lang="en-US"/>
               <a:t>Click to edit Master title style</a:t>
             </a:r>
-            <a:endParaRPr lang="en-US"/>
           </a:p>
         </p:txBody>
       </p:sp>
@@ -2016,7 +1880,7 @@
             <a:fld id="{1D8BD707-D9CF-40AE-B4C6-C98DA3205C09}" type="datetimeFigureOut">
               <a:rPr lang="en-US" smtClean="0"/>
               <a:pPr/>
-              <a:t>8/1/2011</a:t>
+              <a:t>4/24/2024</a:t>
             </a:fld>
             <a:endParaRPr lang="en-US"/>
           </a:p>
@@ -2059,7 +1923,7 @@
             <a:fld id="{B6F15528-21DE-4FAA-801E-634DDDAF4B2B}" type="slidenum">
               <a:rPr lang="en-US" smtClean="0"/>
               <a:pPr/>
-              <a:t>‹#›</a:t>
+              <a:t>‹nº›</a:t>
             </a:fld>
             <a:endParaRPr lang="en-US"/>
           </a:p>
@@ -2108,7 +1972,7 @@
             <a:fld id="{1D8BD707-D9CF-40AE-B4C6-C98DA3205C09}" type="datetimeFigureOut">
               <a:rPr lang="en-US" smtClean="0"/>
               <a:pPr/>
-              <a:t>8/1/2011</a:t>
+              <a:t>4/24/2024</a:t>
             </a:fld>
             <a:endParaRPr lang="en-US"/>
           </a:p>
@@ -2151,7 +2015,7 @@
             <a:fld id="{B6F15528-21DE-4FAA-801E-634DDDAF4B2B}" type="slidenum">
               <a:rPr lang="en-US" smtClean="0"/>
               <a:pPr/>
-              <a:t>‹#›</a:t>
+              <a:t>‹nº›</a:t>
             </a:fld>
             <a:endParaRPr lang="en-US"/>
           </a:p>
@@ -2207,10 +2071,9 @@
           </a:lstStyle>
           <a:p>
             <a:r>
-              <a:rPr lang="en-US" smtClean="0"/>
+              <a:rPr lang="en-US"/>
               <a:t>Click to edit Master title style</a:t>
             </a:r>
-            <a:endParaRPr lang="en-US"/>
           </a:p>
         </p:txBody>
       </p:sp>
@@ -2264,38 +2127,37 @@
           <a:p>
             <a:pPr lvl="0"/>
             <a:r>
-              <a:rPr lang="en-US" smtClean="0"/>
+              <a:rPr lang="en-US"/>
               <a:t>Click to edit Master text styles</a:t>
             </a:r>
           </a:p>
           <a:p>
             <a:pPr lvl="1"/>
             <a:r>
-              <a:rPr lang="en-US" smtClean="0"/>
+              <a:rPr lang="en-US"/>
               <a:t>Second level</a:t>
             </a:r>
           </a:p>
           <a:p>
             <a:pPr lvl="2"/>
             <a:r>
-              <a:rPr lang="en-US" smtClean="0"/>
+              <a:rPr lang="en-US"/>
               <a:t>Third level</a:t>
             </a:r>
           </a:p>
           <a:p>
             <a:pPr lvl="3"/>
             <a:r>
-              <a:rPr lang="en-US" smtClean="0"/>
+              <a:rPr lang="en-US"/>
               <a:t>Fourth level</a:t>
             </a:r>
           </a:p>
           <a:p>
             <a:pPr lvl="4"/>
             <a:r>
-              <a:rPr lang="en-US" smtClean="0"/>
+              <a:rPr lang="en-US"/>
               <a:t>Fifth level</a:t>
             </a:r>
-            <a:endParaRPr lang="en-US"/>
           </a:p>
         </p:txBody>
       </p:sp>
@@ -2358,7 +2220,7 @@
           <a:p>
             <a:pPr lvl="0"/>
             <a:r>
-              <a:rPr lang="en-US" smtClean="0"/>
+              <a:rPr lang="en-US"/>
               <a:t>Click to edit Master text styles</a:t>
             </a:r>
           </a:p>
@@ -2382,7 +2244,7 @@
             <a:fld id="{1D8BD707-D9CF-40AE-B4C6-C98DA3205C09}" type="datetimeFigureOut">
               <a:rPr lang="en-US" smtClean="0"/>
               <a:pPr/>
-              <a:t>8/1/2011</a:t>
+              <a:t>4/24/2024</a:t>
             </a:fld>
             <a:endParaRPr lang="en-US"/>
           </a:p>
@@ -2425,7 +2287,7 @@
             <a:fld id="{B6F15528-21DE-4FAA-801E-634DDDAF4B2B}" type="slidenum">
               <a:rPr lang="en-US" smtClean="0"/>
               <a:pPr/>
-              <a:t>‹#›</a:t>
+              <a:t>‹nº›</a:t>
             </a:fld>
             <a:endParaRPr lang="en-US"/>
           </a:p>
@@ -2481,10 +2343,9 @@
           </a:lstStyle>
           <a:p>
             <a:r>
-              <a:rPr lang="en-US" smtClean="0"/>
+              <a:rPr lang="en-US"/>
               <a:t>Click to edit Master title style</a:t>
             </a:r>
-            <a:endParaRPr lang="en-US"/>
           </a:p>
         </p:txBody>
       </p:sp>
@@ -2608,7 +2469,7 @@
           <a:p>
             <a:pPr lvl="0"/>
             <a:r>
-              <a:rPr lang="en-US" smtClean="0"/>
+              <a:rPr lang="en-US"/>
               <a:t>Click to edit Master text styles</a:t>
             </a:r>
           </a:p>
@@ -2632,7 +2493,7 @@
             <a:fld id="{1D8BD707-D9CF-40AE-B4C6-C98DA3205C09}" type="datetimeFigureOut">
               <a:rPr lang="en-US" smtClean="0"/>
               <a:pPr/>
-              <a:t>8/1/2011</a:t>
+              <a:t>4/24/2024</a:t>
             </a:fld>
             <a:endParaRPr lang="en-US"/>
           </a:p>
@@ -2675,7 +2536,7 @@
             <a:fld id="{B6F15528-21DE-4FAA-801E-634DDDAF4B2B}" type="slidenum">
               <a:rPr lang="en-US" smtClean="0"/>
               <a:pPr/>
-              <a:t>‹#›</a:t>
+              <a:t>‹nº›</a:t>
             </a:fld>
             <a:endParaRPr lang="en-US"/>
           </a:p>
@@ -2737,10 +2598,9 @@
           <a:lstStyle/>
           <a:p>
             <a:r>
-              <a:rPr lang="en-US" smtClean="0"/>
+              <a:rPr lang="en-US"/>
               <a:t>Click to edit Master title style</a:t>
             </a:r>
-            <a:endParaRPr lang="en-US"/>
           </a:p>
         </p:txBody>
       </p:sp>
@@ -2771,38 +2631,37 @@
           <a:p>
             <a:pPr lvl="0"/>
             <a:r>
-              <a:rPr lang="en-US" smtClean="0"/>
+              <a:rPr lang="en-US"/>
               <a:t>Click to edit Master text styles</a:t>
             </a:r>
           </a:p>
           <a:p>
             <a:pPr lvl="1"/>
             <a:r>
-              <a:rPr lang="en-US" smtClean="0"/>
+              <a:rPr lang="en-US"/>
               <a:t>Second level</a:t>
             </a:r>
           </a:p>
           <a:p>
             <a:pPr lvl="2"/>
             <a:r>
-              <a:rPr lang="en-US" smtClean="0"/>
+              <a:rPr lang="en-US"/>
               <a:t>Third level</a:t>
             </a:r>
           </a:p>
           <a:p>
             <a:pPr lvl="3"/>
             <a:r>
-              <a:rPr lang="en-US" smtClean="0"/>
+              <a:rPr lang="en-US"/>
               <a:t>Fourth level</a:t>
             </a:r>
           </a:p>
           <a:p>
             <a:pPr lvl="4"/>
             <a:r>
-              <a:rPr lang="en-US" smtClean="0"/>
+              <a:rPr lang="en-US"/>
               <a:t>Fifth level</a:t>
             </a:r>
-            <a:endParaRPr lang="en-US"/>
           </a:p>
         </p:txBody>
       </p:sp>
@@ -2842,7 +2701,7 @@
             <a:fld id="{1D8BD707-D9CF-40AE-B4C6-C98DA3205C09}" type="datetimeFigureOut">
               <a:rPr lang="en-US" smtClean="0"/>
               <a:pPr/>
-              <a:t>8/1/2011</a:t>
+              <a:t>4/24/2024</a:t>
             </a:fld>
             <a:endParaRPr lang="en-US"/>
           </a:p>
@@ -2921,7 +2780,7 @@
             <a:fld id="{B6F15528-21DE-4FAA-801E-634DDDAF4B2B}" type="slidenum">
               <a:rPr lang="en-US" smtClean="0"/>
               <a:pPr/>
-              <a:t>‹#›</a:t>
+              <a:t>‹nº›</a:t>
             </a:fld>
             <a:endParaRPr lang="en-US"/>
           </a:p>
@@ -3197,7 +3056,7 @@
 </file>
 
 <file path=ppt/slides/slide1.xml><?xml version="1.0" encoding="utf-8"?>
-<p:sld xmlns:p="http://schemas.openxmlformats.org/presentationml/2006/main" xmlns:a="http://schemas.openxmlformats.org/drawingml/2006/main" xmlns:r="http://schemas.openxmlformats.org/officeDocument/2006/relationships">
+<p:sld xmlns:a="http://schemas.openxmlformats.org/drawingml/2006/main" xmlns:r="http://schemas.openxmlformats.org/officeDocument/2006/relationships" xmlns:p="http://schemas.openxmlformats.org/presentationml/2006/main">
   <p:cSld>
     <p:spTree>
       <p:nvGrpSpPr>
@@ -3215,26 +3074,26 @@
       </p:grpSpPr>
       <p:grpSp>
         <p:nvGrpSpPr>
-          <p:cNvPr name="Group 2" id="2"/>
+          <p:cNvPr id="2" name="Group 2"/>
           <p:cNvGrpSpPr/>
           <p:nvPr/>
         </p:nvGrpSpPr>
         <p:grpSpPr>
-          <a:xfrm rot="0">
-            <a:off x="0" y="-1823237"/>
-            <a:ext cx="18288000" cy="4065646"/>
+          <a:xfrm>
+            <a:off x="-611511" y="-1855971"/>
+            <a:ext cx="19511022" cy="4742170"/>
             <a:chOff x="0" y="0"/>
             <a:chExt cx="4816593" cy="1070787"/>
           </a:xfrm>
         </p:grpSpPr>
         <p:sp>
           <p:nvSpPr>
-            <p:cNvPr name="Freeform 3" id="3"/>
+            <p:cNvPr id="3" name="Freeform 3"/>
             <p:cNvSpPr/>
             <p:nvPr/>
           </p:nvSpPr>
           <p:spPr>
-            <a:xfrm flipH="false" flipV="false" rot="0">
+            <a:xfrm>
               <a:off x="0" y="0"/>
               <a:ext cx="4816592" cy="1070787"/>
             </a:xfrm>
@@ -3243,9 +3102,9 @@
               <a:gdLst/>
               <a:ahLst/>
               <a:cxnLst/>
-              <a:rect r="r" b="b" t="t" l="l"/>
+              <a:rect l="l" t="t" r="r" b="b"/>
               <a:pathLst>
-                <a:path h="1070787" w="4816592">
+                <a:path w="4816592" h="1070787">
                   <a:moveTo>
                     <a:pt x="0" y="0"/>
                   </a:moveTo>
@@ -3266,11 +3125,18 @@
               <a:srgbClr val="000937"/>
             </a:solidFill>
           </p:spPr>
+          <p:txBody>
+            <a:bodyPr/>
+            <a:lstStyle/>
+            <a:p>
+              <a:endParaRPr lang="pt-BR"/>
+            </a:p>
+          </p:txBody>
         </p:sp>
         <p:sp>
           <p:nvSpPr>
-            <p:cNvPr name="TextBox 4" id="4"/>
-            <p:cNvSpPr txBox="true"/>
+            <p:cNvPr id="4" name="TextBox 4"/>
+            <p:cNvSpPr txBox="1"/>
             <p:nvPr/>
           </p:nvSpPr>
           <p:spPr>
@@ -3283,7 +3149,7 @@
             </a:prstGeom>
           </p:spPr>
           <p:txBody>
-            <a:bodyPr anchor="ctr" rtlCol="false" tIns="50800" lIns="50800" bIns="50800" rIns="50800"/>
+            <a:bodyPr lIns="50800" tIns="50800" rIns="50800" bIns="50800" rtlCol="0" anchor="ctr"/>
             <a:lstStyle/>
             <a:p>
               <a:pPr algn="ctr">
@@ -3291,18 +3157,19 @@
                   <a:spcPts val="2100"/>
                 </a:lnSpc>
               </a:pPr>
+              <a:endParaRPr/>
             </a:p>
           </p:txBody>
         </p:sp>
       </p:grpSp>
       <p:sp>
         <p:nvSpPr>
-          <p:cNvPr name="TextBox 5" id="5"/>
-          <p:cNvSpPr txBox="true"/>
+          <p:cNvPr id="5" name="TextBox 5"/>
+          <p:cNvSpPr txBox="1"/>
           <p:nvPr/>
         </p:nvSpPr>
         <p:spPr>
-          <a:xfrm rot="0">
+          <a:xfrm>
             <a:off x="3207987" y="410832"/>
             <a:ext cx="11872026" cy="1152525"/>
           </a:xfrm>
@@ -3311,12 +3178,12 @@
           </a:prstGeom>
         </p:spPr>
         <p:txBody>
-          <a:bodyPr anchor="t" rtlCol="false" tIns="0" lIns="0" bIns="0" rIns="0">
+          <a:bodyPr lIns="0" tIns="0" rIns="0" bIns="0" rtlCol="0" anchor="t">
             <a:spAutoFit/>
           </a:bodyPr>
           <a:lstStyle/>
           <a:p>
-            <a:pPr algn="ctr" marL="0" indent="0" lvl="0">
+            <a:pPr marL="0" lvl="0" indent="0" algn="ctr">
               <a:lnSpc>
                 <a:spcPts val="9000"/>
               </a:lnSpc>
@@ -3335,350 +3202,26 @@
       </p:sp>
       <p:grpSp>
         <p:nvGrpSpPr>
-          <p:cNvPr name="Group 6" id="6"/>
+          <p:cNvPr id="12" name="Group 12"/>
           <p:cNvGrpSpPr/>
           <p:nvPr/>
         </p:nvGrpSpPr>
         <p:grpSpPr>
-          <a:xfrm rot="0">
-            <a:off x="1004918" y="4409752"/>
-            <a:ext cx="5229534" cy="2406245"/>
-            <a:chOff x="0" y="0"/>
-            <a:chExt cx="6972712" cy="3208326"/>
+          <a:xfrm>
+            <a:off x="7148773" y="4905329"/>
+            <a:ext cx="4315757" cy="3240462"/>
+            <a:chOff x="0" y="-19050"/>
+            <a:chExt cx="5754343" cy="4320617"/>
           </a:xfrm>
         </p:grpSpPr>
         <p:sp>
           <p:nvSpPr>
-            <p:cNvPr name="TextBox 7" id="7"/>
-            <p:cNvSpPr txBox="true"/>
+            <p:cNvPr id="13" name="TextBox 13"/>
+            <p:cNvSpPr txBox="1"/>
             <p:nvPr/>
           </p:nvSpPr>
           <p:spPr>
-            <a:xfrm rot="0">
-              <a:off x="0" y="-19050"/>
-              <a:ext cx="6972712" cy="995821"/>
-            </a:xfrm>
-            <a:prstGeom prst="rect">
-              <a:avLst/>
-            </a:prstGeom>
-          </p:spPr>
-          <p:txBody>
-            <a:bodyPr anchor="t" rtlCol="false" tIns="0" lIns="0" bIns="0" rIns="0">
-              <a:spAutoFit/>
-            </a:bodyPr>
-            <a:lstStyle/>
-            <a:p>
-              <a:pPr algn="ctr">
-                <a:lnSpc>
-                  <a:spcPts val="3683"/>
-                </a:lnSpc>
-              </a:pPr>
-              <a:r>
-                <a:rPr lang="en-US" sz="2833">
-                  <a:solidFill>
-                    <a:srgbClr val="000937"/>
-                  </a:solidFill>
-                  <a:latin typeface="Muli Semi-Bold"/>
-                </a:rPr>
-                <a:t>Sacha Dubois</a:t>
-              </a:r>
-            </a:p>
-            <a:p>
-              <a:pPr algn="ctr" marL="0" indent="0" lvl="0">
-                <a:lnSpc>
-                  <a:spcPts val="2340"/>
-                </a:lnSpc>
-                <a:spcBef>
-                  <a:spcPct val="0"/>
-                </a:spcBef>
-              </a:pPr>
-              <a:r>
-                <a:rPr lang="en-US" sz="1800">
-                  <a:solidFill>
-                    <a:srgbClr val="000937"/>
-                  </a:solidFill>
-                  <a:latin typeface="Muli"/>
-                </a:rPr>
-                <a:t>Gestora</a:t>
-              </a:r>
-            </a:p>
-          </p:txBody>
-        </p:sp>
-        <p:sp>
-          <p:nvSpPr>
-            <p:cNvPr name="TextBox 8" id="8"/>
-            <p:cNvSpPr txBox="true"/>
-            <p:nvPr/>
-          </p:nvSpPr>
-          <p:spPr>
-            <a:xfrm rot="0">
-              <a:off x="0" y="1239826"/>
-              <a:ext cx="6972712" cy="1968500"/>
-            </a:xfrm>
-            <a:prstGeom prst="rect">
-              <a:avLst/>
-            </a:prstGeom>
-          </p:spPr>
-          <p:txBody>
-            <a:bodyPr anchor="t" rtlCol="false" tIns="0" lIns="0" bIns="0" rIns="0">
-              <a:spAutoFit/>
-            </a:bodyPr>
-            <a:lstStyle/>
-            <a:p>
-              <a:pPr algn="ctr" marL="431799" indent="-215899" lvl="1">
-                <a:lnSpc>
-                  <a:spcPts val="2399"/>
-                </a:lnSpc>
-                <a:buFont typeface="Arial"/>
-                <a:buChar char="•"/>
-              </a:pPr>
-              <a:r>
-                <a:rPr lang="en-US" sz="1999">
-                  <a:solidFill>
-                    <a:srgbClr val="000937"/>
-                  </a:solidFill>
-                  <a:latin typeface="Muli"/>
-                </a:rPr>
-                <a:t>Agenda apertada;</a:t>
-              </a:r>
-            </a:p>
-            <a:p>
-              <a:pPr algn="ctr">
-                <a:lnSpc>
-                  <a:spcPts val="2399"/>
-                </a:lnSpc>
-              </a:pPr>
-            </a:p>
-            <a:p>
-              <a:pPr algn="ctr" marL="431799" indent="-215899" lvl="1">
-                <a:lnSpc>
-                  <a:spcPts val="2399"/>
-                </a:lnSpc>
-                <a:buFont typeface="Arial"/>
-                <a:buChar char="•"/>
-              </a:pPr>
-              <a:r>
-                <a:rPr lang="en-US" sz="1999">
-                  <a:solidFill>
-                    <a:srgbClr val="000937"/>
-                  </a:solidFill>
-                  <a:latin typeface="Muli"/>
-                </a:rPr>
-                <a:t>Responsável por mais de uma equipe;</a:t>
-              </a:r>
-            </a:p>
-            <a:p>
-              <a:pPr algn="ctr">
-                <a:lnSpc>
-                  <a:spcPts val="2399"/>
-                </a:lnSpc>
-              </a:pPr>
-            </a:p>
-            <a:p>
-              <a:pPr algn="ctr" marL="431799" indent="-215899" lvl="1">
-                <a:lnSpc>
-                  <a:spcPts val="2399"/>
-                </a:lnSpc>
-                <a:buFont typeface="Arial"/>
-                <a:buChar char="•"/>
-              </a:pPr>
-              <a:r>
-                <a:rPr lang="en-US" sz="1999">
-                  <a:solidFill>
-                    <a:srgbClr val="000937"/>
-                  </a:solidFill>
-                  <a:latin typeface="Muli"/>
-                </a:rPr>
-                <a:t>Não é muito adepta a novas tecnologias;</a:t>
-              </a:r>
-            </a:p>
-          </p:txBody>
-        </p:sp>
-      </p:grpSp>
-      <p:grpSp>
-        <p:nvGrpSpPr>
-          <p:cNvPr name="Group 9" id="9"/>
-          <p:cNvGrpSpPr/>
-          <p:nvPr/>
-        </p:nvGrpSpPr>
-        <p:grpSpPr>
-          <a:xfrm rot="0">
-            <a:off x="6995096" y="4223327"/>
-            <a:ext cx="4816474" cy="2676105"/>
-            <a:chOff x="0" y="0"/>
-            <a:chExt cx="6421965" cy="3568141"/>
-          </a:xfrm>
-        </p:grpSpPr>
-        <p:sp>
-          <p:nvSpPr>
-            <p:cNvPr name="TextBox 10" id="10"/>
-            <p:cNvSpPr txBox="true"/>
-            <p:nvPr/>
-          </p:nvSpPr>
-          <p:spPr>
-            <a:xfrm rot="0">
-              <a:off x="0" y="-28575"/>
-              <a:ext cx="6421965" cy="980798"/>
-            </a:xfrm>
-            <a:prstGeom prst="rect">
-              <a:avLst/>
-            </a:prstGeom>
-          </p:spPr>
-          <p:txBody>
-            <a:bodyPr anchor="t" rtlCol="false" tIns="0" lIns="0" bIns="0" rIns="0">
-              <a:spAutoFit/>
-            </a:bodyPr>
-            <a:lstStyle/>
-            <a:p>
-              <a:pPr algn="ctr">
-                <a:lnSpc>
-                  <a:spcPts val="3552"/>
-                </a:lnSpc>
-              </a:pPr>
-              <a:r>
-                <a:rPr lang="en-US" sz="2732">
-                  <a:solidFill>
-                    <a:srgbClr val="000937"/>
-                  </a:solidFill>
-                  <a:latin typeface="Muli Semi-Bold"/>
-                </a:rPr>
-                <a:t>Blaise Martins</a:t>
-              </a:r>
-            </a:p>
-            <a:p>
-              <a:pPr algn="ctr" marL="0" indent="0" lvl="0">
-                <a:lnSpc>
-                  <a:spcPts val="2339"/>
-                </a:lnSpc>
-                <a:spcBef>
-                  <a:spcPct val="0"/>
-                </a:spcBef>
-              </a:pPr>
-              <a:r>
-                <a:rPr lang="en-US" sz="1799">
-                  <a:solidFill>
-                    <a:srgbClr val="000937"/>
-                  </a:solidFill>
-                  <a:latin typeface="Muli"/>
-                </a:rPr>
-                <a:t>Analista de Quality Assurance</a:t>
-              </a:r>
-            </a:p>
-          </p:txBody>
-        </p:sp>
-        <p:sp>
-          <p:nvSpPr>
-            <p:cNvPr name="TextBox 11" id="11"/>
-            <p:cNvSpPr txBox="true"/>
-            <p:nvPr/>
-          </p:nvSpPr>
-          <p:spPr>
-            <a:xfrm rot="0">
-              <a:off x="0" y="1205941"/>
-              <a:ext cx="6421965" cy="2362200"/>
-            </a:xfrm>
-            <a:prstGeom prst="rect">
-              <a:avLst/>
-            </a:prstGeom>
-          </p:spPr>
-          <p:txBody>
-            <a:bodyPr anchor="t" rtlCol="false" tIns="0" lIns="0" bIns="0" rIns="0">
-              <a:spAutoFit/>
-            </a:bodyPr>
-            <a:lstStyle/>
-            <a:p>
-              <a:pPr algn="ctr" marL="432665" indent="-216333" lvl="1">
-                <a:lnSpc>
-                  <a:spcPts val="2404"/>
-                </a:lnSpc>
-                <a:buFont typeface="Arial"/>
-                <a:buChar char="•"/>
-              </a:pPr>
-              <a:r>
-                <a:rPr lang="en-US" sz="2004">
-                  <a:solidFill>
-                    <a:srgbClr val="000937"/>
-                  </a:solidFill>
-                  <a:latin typeface="Muli"/>
-                </a:rPr>
-                <a:t> Alta Demanda constante;</a:t>
-              </a:r>
-            </a:p>
-            <a:p>
-              <a:pPr algn="ctr">
-                <a:lnSpc>
-                  <a:spcPts val="2404"/>
-                </a:lnSpc>
-              </a:pPr>
-            </a:p>
-            <a:p>
-              <a:pPr algn="ctr" marL="432665" indent="-216333" lvl="1">
-                <a:lnSpc>
-                  <a:spcPts val="2004"/>
-                </a:lnSpc>
-                <a:buFont typeface="Arial"/>
-                <a:buChar char="•"/>
-              </a:pPr>
-              <a:r>
-                <a:rPr lang="en-US" sz="2004">
-                  <a:solidFill>
-                    <a:srgbClr val="000937"/>
-                  </a:solidFill>
-                  <a:latin typeface="Muli"/>
-                </a:rPr>
-                <a:t>Problemas com concentração;</a:t>
-              </a:r>
-            </a:p>
-            <a:p>
-              <a:pPr algn="ctr">
-                <a:lnSpc>
-                  <a:spcPts val="2404"/>
-                </a:lnSpc>
-              </a:pPr>
-            </a:p>
-            <a:p>
-              <a:pPr algn="ctr" marL="432665" indent="-216333" lvl="1">
-                <a:lnSpc>
-                  <a:spcPts val="2404"/>
-                </a:lnSpc>
-                <a:buFont typeface="Arial"/>
-                <a:buChar char="•"/>
-              </a:pPr>
-              <a:r>
-                <a:rPr lang="en-US" sz="2004">
-                  <a:solidFill>
-                    <a:srgbClr val="000937"/>
-                  </a:solidFill>
-                  <a:latin typeface="Muli"/>
-                </a:rPr>
-                <a:t>Dificuldade em organizar seus horários;</a:t>
-              </a:r>
-            </a:p>
-          </p:txBody>
-        </p:sp>
-      </p:grpSp>
-      <p:grpSp>
-        <p:nvGrpSpPr>
-          <p:cNvPr name="Group 12" id="12"/>
-          <p:cNvGrpSpPr/>
-          <p:nvPr/>
-        </p:nvGrpSpPr>
-        <p:grpSpPr>
-          <a:xfrm rot="0">
-            <a:off x="12967325" y="4223327"/>
-            <a:ext cx="4315757" cy="2895926"/>
-            <a:chOff x="0" y="0"/>
-            <a:chExt cx="5754343" cy="3861235"/>
-          </a:xfrm>
-        </p:grpSpPr>
-        <p:sp>
-          <p:nvSpPr>
-            <p:cNvPr name="TextBox 13" id="13"/>
-            <p:cNvSpPr txBox="true"/>
-            <p:nvPr/>
-          </p:nvSpPr>
-          <p:spPr>
-            <a:xfrm rot="0">
+            <a:xfrm>
               <a:off x="0" y="-19050"/>
               <a:ext cx="5754343" cy="922443"/>
             </a:xfrm>
@@ -3687,7 +3230,7 @@
             </a:prstGeom>
           </p:spPr>
           <p:txBody>
-            <a:bodyPr anchor="t" rtlCol="false" tIns="0" lIns="0" bIns="0" rIns="0">
+            <a:bodyPr lIns="0" tIns="0" rIns="0" bIns="0" rtlCol="0" anchor="t">
               <a:spAutoFit/>
             </a:bodyPr>
             <a:lstStyle/>
@@ -3708,7 +3251,7 @@
               </a:r>
             </a:p>
             <a:p>
-              <a:pPr algn="ctr" marL="0" indent="0" lvl="0">
+              <a:pPr marL="0" lvl="0" indent="0" algn="ctr">
                 <a:lnSpc>
                   <a:spcPts val="2339"/>
                 </a:lnSpc>
@@ -3730,26 +3273,26 @@
         </p:sp>
         <p:sp>
           <p:nvSpPr>
-            <p:cNvPr name="TextBox 14" id="14"/>
-            <p:cNvSpPr txBox="true"/>
+            <p:cNvPr id="14" name="TextBox 14"/>
+            <p:cNvSpPr txBox="1"/>
             <p:nvPr/>
           </p:nvSpPr>
           <p:spPr>
-            <a:xfrm rot="0">
-              <a:off x="0" y="1121210"/>
-              <a:ext cx="5754343" cy="2740025"/>
+            <a:xfrm>
+              <a:off x="0" y="1121209"/>
+              <a:ext cx="5754343" cy="3180358"/>
             </a:xfrm>
             <a:prstGeom prst="rect">
               <a:avLst/>
             </a:prstGeom>
           </p:spPr>
           <p:txBody>
-            <a:bodyPr anchor="t" rtlCol="false" tIns="0" lIns="0" bIns="0" rIns="0">
+            <a:bodyPr lIns="0" tIns="0" rIns="0" bIns="0" rtlCol="0" anchor="t">
               <a:spAutoFit/>
             </a:bodyPr>
             <a:lstStyle/>
             <a:p>
-              <a:pPr algn="ctr" marL="431801" indent="-215900" lvl="1">
+              <a:pPr marL="431801" lvl="1" indent="-215900" algn="ctr">
                 <a:lnSpc>
                   <a:spcPts val="2400"/>
                 </a:lnSpc>
@@ -3757,13 +3300,67 @@
                 <a:buChar char="•"/>
               </a:pPr>
               <a:r>
-                <a:rPr lang="en-US" sz="2000">
+                <a:rPr lang="en-US" sz="2000" dirty="0">
                   <a:solidFill>
                     <a:srgbClr val="000937"/>
                   </a:solidFill>
                   <a:latin typeface="Muli"/>
                 </a:rPr>
-                <a:t>Alta demanda de troca de equipamentos;</a:t>
+                <a:t>Alta </a:t>
+              </a:r>
+              <a:r>
+                <a:rPr lang="en-US" sz="2000" dirty="0" err="1">
+                  <a:solidFill>
+                    <a:srgbClr val="000937"/>
+                  </a:solidFill>
+                  <a:latin typeface="Muli"/>
+                </a:rPr>
+                <a:t>demanda</a:t>
+              </a:r>
+              <a:r>
+                <a:rPr lang="en-US" sz="2000" dirty="0">
+                  <a:solidFill>
+                    <a:srgbClr val="000937"/>
+                  </a:solidFill>
+                  <a:latin typeface="Muli"/>
+                </a:rPr>
+                <a:t> de </a:t>
+              </a:r>
+              <a:r>
+                <a:rPr lang="en-US" sz="2000" dirty="0" err="1">
+                  <a:solidFill>
+                    <a:srgbClr val="000937"/>
+                  </a:solidFill>
+                  <a:latin typeface="Muli"/>
+                </a:rPr>
+                <a:t>troca</a:t>
+              </a:r>
+              <a:r>
+                <a:rPr lang="en-US" sz="2000" dirty="0">
+                  <a:solidFill>
+                    <a:srgbClr val="000937"/>
+                  </a:solidFill>
+                  <a:latin typeface="Muli"/>
+                </a:rPr>
+                <a:t> de </a:t>
+              </a:r>
+              <a:r>
+                <a:rPr lang="en-US" sz="2000" dirty="0" err="1">
+                  <a:solidFill>
+                    <a:srgbClr val="000937"/>
+                  </a:solidFill>
+                  <a:latin typeface="Muli"/>
+                </a:rPr>
+                <a:t>equipamentos</a:t>
+              </a:r>
+              <a:r>
+                <a:rPr lang="en-US" sz="2000" dirty="0">
+                  <a:solidFill>
+                    <a:srgbClr val="000937"/>
+                  </a:solidFill>
+                  <a:latin typeface="Muli"/>
+                </a:rPr>
+                <a:t>;</a:t>
               </a:r>
             </a:p>
             <a:p>
@@ -3772,9 +3369,15 @@
                   <a:spcPts val="1789"/>
                 </a:lnSpc>
               </a:pPr>
+              <a:endParaRPr lang="en-US" sz="2000" dirty="0">
+                <a:solidFill>
+                  <a:srgbClr val="000937"/>
+                </a:solidFill>
+                <a:latin typeface="Muli"/>
+              </a:endParaRPr>
             </a:p>
             <a:p>
-              <a:pPr algn="ctr" marL="431801" indent="-215900" lvl="1">
+              <a:pPr marL="431801" lvl="1" indent="-215900" algn="ctr">
                 <a:lnSpc>
                   <a:spcPts val="2400"/>
                 </a:lnSpc>
@@ -3782,13 +3385,76 @@
                 <a:buChar char="•"/>
               </a:pPr>
               <a:r>
-                <a:rPr lang="en-US" sz="2000">
+                <a:rPr lang="en-US" sz="2000" dirty="0" err="1">
                   <a:solidFill>
                     <a:srgbClr val="000937"/>
                   </a:solidFill>
                   <a:latin typeface="Muli"/>
                 </a:rPr>
-                <a:t>Estressado;</a:t>
+                <a:t>Dificuldade</a:t>
+              </a:r>
+              <a:r>
+                <a:rPr lang="en-US" sz="2000" dirty="0">
+                  <a:solidFill>
+                    <a:srgbClr val="000937"/>
+                  </a:solidFill>
+                  <a:latin typeface="Muli"/>
+                </a:rPr>
+                <a:t> </a:t>
+              </a:r>
+              <a:r>
+                <a:rPr lang="en-US" sz="2000" dirty="0" err="1">
+                  <a:solidFill>
+                    <a:srgbClr val="000937"/>
+                  </a:solidFill>
+                  <a:latin typeface="Muli"/>
+                </a:rPr>
+                <a:t>em</a:t>
+              </a:r>
+              <a:r>
+                <a:rPr lang="en-US" sz="2000" dirty="0">
+                  <a:solidFill>
+                    <a:srgbClr val="000937"/>
+                  </a:solidFill>
+                  <a:latin typeface="Muli"/>
+                </a:rPr>
+                <a:t> </a:t>
+              </a:r>
+              <a:r>
+                <a:rPr lang="en-US" sz="2000" dirty="0" err="1">
+                  <a:solidFill>
+                    <a:srgbClr val="000937"/>
+                  </a:solidFill>
+                  <a:latin typeface="Muli"/>
+                </a:rPr>
+                <a:t>gerir</a:t>
+              </a:r>
+              <a:r>
+                <a:rPr lang="en-US" sz="2000" dirty="0">
+                  <a:solidFill>
+                    <a:srgbClr val="000937"/>
+                  </a:solidFill>
+                  <a:latin typeface="Muli"/>
+                </a:rPr>
+                <a:t> </a:t>
+              </a:r>
+              <a:r>
+                <a:rPr lang="en-US" sz="2000" dirty="0" err="1">
+                  <a:solidFill>
+                    <a:srgbClr val="000937"/>
+                  </a:solidFill>
+                  <a:latin typeface="Muli"/>
+                </a:rPr>
+                <a:t>suas</a:t>
+              </a:r>
+              <a:r>
+                <a:rPr lang="en-US" sz="2000" dirty="0">
+                  <a:solidFill>
+                    <a:srgbClr val="000937"/>
+                  </a:solidFill>
+                  <a:latin typeface="Muli"/>
+                </a:rPr>
+                <a:t> equipes;</a:t>
               </a:r>
             </a:p>
             <a:p>
@@ -3797,9 +3463,15 @@
                   <a:spcPts val="2400"/>
                 </a:lnSpc>
               </a:pPr>
+              <a:endParaRPr lang="en-US" sz="2000" dirty="0">
+                <a:solidFill>
+                  <a:srgbClr val="000937"/>
+                </a:solidFill>
+                <a:latin typeface="Muli"/>
+              </a:endParaRPr>
             </a:p>
             <a:p>
-              <a:pPr algn="ctr" marL="431801" indent="-215900" lvl="1">
+              <a:pPr marL="431801" lvl="1" indent="-215900" algn="ctr">
                 <a:lnSpc>
                   <a:spcPts val="2400"/>
                 </a:lnSpc>
@@ -3807,13 +3479,49 @@
                 <a:buChar char="•"/>
               </a:pPr>
               <a:r>
-                <a:rPr lang="en-US" sz="2000">
+                <a:rPr lang="en-US" sz="2000" dirty="0">
                   <a:solidFill>
                     <a:srgbClr val="000937"/>
                   </a:solidFill>
                   <a:latin typeface="Muli"/>
                 </a:rPr>
-                <a:t>Sempre tendo que reagir a problemas;</a:t>
+                <a:t>Sempre tendo que </a:t>
+              </a:r>
+              <a:r>
+                <a:rPr lang="en-US" sz="2000" dirty="0" err="1">
+                  <a:solidFill>
+                    <a:srgbClr val="000937"/>
+                  </a:solidFill>
+                  <a:latin typeface="Muli"/>
+                </a:rPr>
+                <a:t>reagir</a:t>
+              </a:r>
+              <a:r>
+                <a:rPr lang="en-US" sz="2000" dirty="0">
+                  <a:solidFill>
+                    <a:srgbClr val="000937"/>
+                  </a:solidFill>
+                  <a:latin typeface="Muli"/>
+                </a:rPr>
+                <a:t> a </a:t>
+              </a:r>
+              <a:r>
+                <a:rPr lang="en-US" sz="2000" dirty="0" err="1">
+                  <a:solidFill>
+                    <a:srgbClr val="000937"/>
+                  </a:solidFill>
+                  <a:latin typeface="Muli"/>
+                </a:rPr>
+                <a:t>problemas</a:t>
+              </a:r>
+              <a:r>
+                <a:rPr lang="en-US" sz="2000" dirty="0">
+                  <a:solidFill>
+                    <a:srgbClr val="000937"/>
+                  </a:solidFill>
+                  <a:latin typeface="Muli"/>
+                </a:rPr>
+                <a:t>;</a:t>
               </a:r>
             </a:p>
           </p:txBody>
@@ -3821,13 +3529,13 @@
       </p:grpSp>
       <p:grpSp>
         <p:nvGrpSpPr>
-          <p:cNvPr name="Group 15" id="15"/>
+          <p:cNvPr id="19" name="Group 19"/>
           <p:cNvGrpSpPr/>
           <p:nvPr/>
         </p:nvGrpSpPr>
         <p:grpSpPr>
-          <a:xfrm rot="0">
-            <a:off x="2477613" y="2260167"/>
+          <a:xfrm>
+            <a:off x="8315698" y="3005109"/>
             <a:ext cx="1981904" cy="1810759"/>
             <a:chOff x="0" y="0"/>
             <a:chExt cx="6950144" cy="6349975"/>
@@ -3835,12 +3543,12 @@
         </p:grpSpPr>
         <p:sp>
           <p:nvSpPr>
-            <p:cNvPr name="Freeform 16" id="16"/>
+            <p:cNvPr id="20" name="Freeform 20"/>
             <p:cNvSpPr/>
             <p:nvPr/>
           </p:nvSpPr>
           <p:spPr>
-            <a:xfrm flipH="false" flipV="false" rot="0">
+            <a:xfrm>
               <a:off x="0" y="0"/>
               <a:ext cx="6950145" cy="6349975"/>
             </a:xfrm>
@@ -3849,9 +3557,9 @@
               <a:gdLst/>
               <a:ahLst/>
               <a:cxnLst/>
-              <a:rect r="r" b="b" t="t" l="l"/>
+              <a:rect l="l" t="t" r="r" b="b"/>
               <a:pathLst>
-                <a:path h="6349975" w="6950145">
+                <a:path w="6950145" h="6349975">
                   <a:moveTo>
                     <a:pt x="6950145" y="3175025"/>
                   </a:moveTo>
@@ -3882,158 +3590,27 @@
             <a:blipFill>
               <a:blip r:embed="rId2"/>
               <a:stretch>
-                <a:fillRect l="-18523" t="0" r="-18523" b="0"/>
-              </a:stretch>
-            </a:blipFill>
-          </p:spPr>
-        </p:sp>
-      </p:grpSp>
-      <p:grpSp>
-        <p:nvGrpSpPr>
-          <p:cNvPr name="Group 17" id="17"/>
-          <p:cNvGrpSpPr/>
-          <p:nvPr/>
-        </p:nvGrpSpPr>
-        <p:grpSpPr>
-          <a:xfrm rot="0">
-            <a:off x="8545299" y="2260167"/>
-            <a:ext cx="1981904" cy="1810759"/>
-            <a:chOff x="0" y="0"/>
-            <a:chExt cx="6950144" cy="6349975"/>
-          </a:xfrm>
-        </p:grpSpPr>
-        <p:sp>
-          <p:nvSpPr>
-            <p:cNvPr name="Freeform 18" id="18"/>
-            <p:cNvSpPr/>
-            <p:nvPr/>
-          </p:nvSpPr>
-          <p:spPr>
-            <a:xfrm flipH="false" flipV="false" rot="0">
-              <a:off x="0" y="0"/>
-              <a:ext cx="6950145" cy="6349975"/>
-            </a:xfrm>
-            <a:custGeom>
-              <a:avLst/>
-              <a:gdLst/>
-              <a:ahLst/>
-              <a:cxnLst/>
-              <a:rect r="r" b="b" t="t" l="l"/>
-              <a:pathLst>
-                <a:path h="6349975" w="6950145">
-                  <a:moveTo>
-                    <a:pt x="6950145" y="3175025"/>
-                  </a:moveTo>
-                  <a:cubicBezTo>
-                    <a:pt x="6950145" y="4928451"/>
-                    <a:pt x="5394271" y="6349975"/>
-                    <a:pt x="3475072" y="6349975"/>
-                  </a:cubicBezTo>
-                  <a:cubicBezTo>
-                    <a:pt x="1555845" y="6349975"/>
-                    <a:pt x="0" y="4928451"/>
-                    <a:pt x="0" y="3175025"/>
-                  </a:cubicBezTo>
-                  <a:cubicBezTo>
-                    <a:pt x="0" y="1421511"/>
-                    <a:pt x="1555845" y="0"/>
-                    <a:pt x="3475072" y="0"/>
-                  </a:cubicBezTo>
-                  <a:cubicBezTo>
-                    <a:pt x="5394299" y="0"/>
-                    <a:pt x="6950145" y="1421511"/>
-                    <a:pt x="6950145" y="3175025"/>
-                  </a:cubicBezTo>
-                  <a:close/>
-                </a:path>
-              </a:pathLst>
-            </a:custGeom>
-            <a:blipFill>
-              <a:blip r:embed="rId3"/>
-              <a:stretch>
-                <a:fillRect l="0" t="-32088" r="0" b="-32088"/>
-              </a:stretch>
-            </a:blipFill>
-          </p:spPr>
-        </p:sp>
-      </p:grpSp>
-      <p:grpSp>
-        <p:nvGrpSpPr>
-          <p:cNvPr name="Group 19" id="19"/>
-          <p:cNvGrpSpPr/>
-          <p:nvPr/>
-        </p:nvGrpSpPr>
-        <p:grpSpPr>
-          <a:xfrm rot="0">
-            <a:off x="14225021" y="2260167"/>
-            <a:ext cx="1981904" cy="1810759"/>
-            <a:chOff x="0" y="0"/>
-            <a:chExt cx="6950144" cy="6349975"/>
-          </a:xfrm>
-        </p:grpSpPr>
-        <p:sp>
-          <p:nvSpPr>
-            <p:cNvPr name="Freeform 20" id="20"/>
-            <p:cNvSpPr/>
-            <p:nvPr/>
-          </p:nvSpPr>
-          <p:spPr>
-            <a:xfrm flipH="false" flipV="false" rot="0">
-              <a:off x="0" y="0"/>
-              <a:ext cx="6950145" cy="6349975"/>
-            </a:xfrm>
-            <a:custGeom>
-              <a:avLst/>
-              <a:gdLst/>
-              <a:ahLst/>
-              <a:cxnLst/>
-              <a:rect r="r" b="b" t="t" l="l"/>
-              <a:pathLst>
-                <a:path h="6349975" w="6950145">
-                  <a:moveTo>
-                    <a:pt x="6950145" y="3175025"/>
-                  </a:moveTo>
-                  <a:cubicBezTo>
-                    <a:pt x="6950145" y="4928451"/>
-                    <a:pt x="5394271" y="6349975"/>
-                    <a:pt x="3475072" y="6349975"/>
-                  </a:cubicBezTo>
-                  <a:cubicBezTo>
-                    <a:pt x="1555845" y="6349975"/>
-                    <a:pt x="0" y="4928451"/>
-                    <a:pt x="0" y="3175025"/>
-                  </a:cubicBezTo>
-                  <a:cubicBezTo>
-                    <a:pt x="0" y="1421511"/>
-                    <a:pt x="1555845" y="0"/>
-                    <a:pt x="3475072" y="0"/>
-                  </a:cubicBezTo>
-                  <a:cubicBezTo>
-                    <a:pt x="5394299" y="0"/>
-                    <a:pt x="6950145" y="1421511"/>
-                    <a:pt x="6950145" y="3175025"/>
-                  </a:cubicBezTo>
-                  <a:close/>
-                </a:path>
-              </a:pathLst>
-            </a:custGeom>
-            <a:blipFill>
-              <a:blip r:embed="rId4"/>
-              <a:stretch>
                 <a:fillRect l="-17570" t="-2281" r="-9071" b="-105635"/>
               </a:stretch>
             </a:blipFill>
           </p:spPr>
+          <p:txBody>
+            <a:bodyPr/>
+            <a:lstStyle/>
+            <a:p>
+              <a:endParaRPr lang="pt-BR"/>
+            </a:p>
+          </p:txBody>
         </p:sp>
       </p:grpSp>
       <p:sp>
         <p:nvSpPr>
-          <p:cNvPr name="Freeform 21" id="21"/>
+          <p:cNvPr id="21" name="Freeform 21"/>
           <p:cNvSpPr/>
           <p:nvPr/>
         </p:nvSpPr>
         <p:spPr>
-          <a:xfrm flipH="false" flipV="false" rot="0">
+          <a:xfrm>
             <a:off x="-611511" y="1299508"/>
             <a:ext cx="2836831" cy="2829739"/>
           </a:xfrm>
@@ -4042,9 +3619,9 @@
             <a:gdLst/>
             <a:ahLst/>
             <a:cxnLst/>
-            <a:rect r="r" b="b" t="t" l="l"/>
+            <a:rect l="l" t="t" r="r" b="b"/>
             <a:pathLst>
-              <a:path h="2829739" w="2836831">
+              <a:path w="2836831" h="2829739">
                 <a:moveTo>
                   <a:pt x="0" y="0"/>
                 </a:moveTo>
@@ -4065,21 +3642,28 @@
             </a:pathLst>
           </a:custGeom>
           <a:blipFill>
-            <a:blip r:embed="rId5"/>
+            <a:blip r:embed="rId3"/>
             <a:stretch>
-              <a:fillRect l="0" t="0" r="0" b="0"/>
+              <a:fillRect/>
             </a:stretch>
           </a:blipFill>
         </p:spPr>
-      </p:sp>
-      <p:sp>
-        <p:nvSpPr>
-          <p:cNvPr name="Freeform 22" id="22"/>
+        <p:txBody>
+          <a:bodyPr/>
+          <a:lstStyle/>
+          <a:p>
+            <a:endParaRPr lang="pt-BR"/>
+          </a:p>
+        </p:txBody>
+      </p:sp>
+      <p:sp>
+        <p:nvSpPr>
+          <p:cNvPr id="22" name="Freeform 22"/>
           <p:cNvSpPr/>
           <p:nvPr/>
         </p:nvSpPr>
         <p:spPr>
-          <a:xfrm flipH="true" flipV="false" rot="0">
+          <a:xfrm flipH="1">
             <a:off x="16387983" y="338848"/>
             <a:ext cx="2511528" cy="1921319"/>
           </a:xfrm>
@@ -4088,9 +3672,9 @@
             <a:gdLst/>
             <a:ahLst/>
             <a:cxnLst/>
-            <a:rect r="r" b="b" t="t" l="l"/>
+            <a:rect l="l" t="t" r="r" b="b"/>
             <a:pathLst>
-              <a:path h="1921319" w="2511528">
+              <a:path w="2511528" h="1921319">
                 <a:moveTo>
                   <a:pt x="2511528" y="0"/>
                 </a:moveTo>
@@ -4111,22 +3695,29 @@
             </a:pathLst>
           </a:custGeom>
           <a:blipFill>
-            <a:blip r:embed="rId6"/>
+            <a:blip r:embed="rId4"/>
             <a:stretch>
-              <a:fillRect l="0" t="0" r="0" b="0"/>
+              <a:fillRect/>
             </a:stretch>
           </a:blipFill>
         </p:spPr>
-      </p:sp>
-      <p:sp>
-        <p:nvSpPr>
-          <p:cNvPr name="TextBox 23" id="23"/>
-          <p:cNvSpPr txBox="true"/>
+        <p:txBody>
+          <a:bodyPr/>
+          <a:lstStyle/>
+          <a:p>
+            <a:endParaRPr lang="pt-BR"/>
+          </a:p>
+        </p:txBody>
+      </p:sp>
+      <p:sp>
+        <p:nvSpPr>
+          <p:cNvPr id="25" name="TextBox 25"/>
+          <p:cNvSpPr txBox="1"/>
           <p:nvPr/>
         </p:nvSpPr>
         <p:spPr>
-          <a:xfrm rot="0">
-            <a:off x="3151542" y="7296292"/>
+          <a:xfrm>
+            <a:off x="8989627" y="8190065"/>
             <a:ext cx="634047" cy="412750"/>
           </a:xfrm>
           <a:prstGeom prst="rect">
@@ -4134,7 +3725,7 @@
           </a:prstGeom>
         </p:spPr>
         <p:txBody>
-          <a:bodyPr anchor="t" rtlCol="false" tIns="0" lIns="0" bIns="0" rIns="0">
+          <a:bodyPr lIns="0" tIns="0" rIns="0" bIns="0" rtlCol="0" anchor="t">
             <a:spAutoFit/>
           </a:bodyPr>
           <a:lstStyle/>
@@ -4145,7 +3736,7 @@
               </a:lnSpc>
             </a:pPr>
             <a:r>
-              <a:rPr lang="en-US" sz="2499">
+              <a:rPr lang="en-US" sz="2499" dirty="0">
                 <a:solidFill>
                   <a:srgbClr val="000000"/>
                 </a:solidFill>
@@ -4158,89 +3749,13 @@
       </p:sp>
       <p:sp>
         <p:nvSpPr>
-          <p:cNvPr name="TextBox 24" id="24"/>
-          <p:cNvSpPr txBox="true"/>
+          <p:cNvPr id="28" name="TextBox 28"/>
+          <p:cNvSpPr txBox="1"/>
           <p:nvPr/>
         </p:nvSpPr>
         <p:spPr>
-          <a:xfrm rot="0">
-            <a:off x="9219228" y="7296292"/>
-            <a:ext cx="634047" cy="412750"/>
-          </a:xfrm>
-          <a:prstGeom prst="rect">
-            <a:avLst/>
-          </a:prstGeom>
-        </p:spPr>
-        <p:txBody>
-          <a:bodyPr anchor="t" rtlCol="false" tIns="0" lIns="0" bIns="0" rIns="0">
-            <a:spAutoFit/>
-          </a:bodyPr>
-          <a:lstStyle/>
-          <a:p>
-            <a:pPr algn="ctr">
-              <a:lnSpc>
-                <a:spcPts val="3499"/>
-              </a:lnSpc>
-            </a:pPr>
-            <a:r>
-              <a:rPr lang="en-US" sz="2499">
-                <a:solidFill>
-                  <a:srgbClr val="000000"/>
-                </a:solidFill>
-                <a:latin typeface="Muli Bold"/>
-              </a:rPr>
-              <a:t>Dor:</a:t>
-            </a:r>
-          </a:p>
-        </p:txBody>
-      </p:sp>
-      <p:sp>
-        <p:nvSpPr>
-          <p:cNvPr name="TextBox 25" id="25"/>
-          <p:cNvSpPr txBox="true"/>
-          <p:nvPr/>
-        </p:nvSpPr>
-        <p:spPr>
-          <a:xfrm rot="0">
-            <a:off x="14898949" y="7296292"/>
-            <a:ext cx="634047" cy="412750"/>
-          </a:xfrm>
-          <a:prstGeom prst="rect">
-            <a:avLst/>
-          </a:prstGeom>
-        </p:spPr>
-        <p:txBody>
-          <a:bodyPr anchor="t" rtlCol="false" tIns="0" lIns="0" bIns="0" rIns="0">
-            <a:spAutoFit/>
-          </a:bodyPr>
-          <a:lstStyle/>
-          <a:p>
-            <a:pPr algn="ctr">
-              <a:lnSpc>
-                <a:spcPts val="3499"/>
-              </a:lnSpc>
-            </a:pPr>
-            <a:r>
-              <a:rPr lang="en-US" sz="2499">
-                <a:solidFill>
-                  <a:srgbClr val="000000"/>
-                </a:solidFill>
-                <a:latin typeface="Muli Bold"/>
-              </a:rPr>
-              <a:t>Dor:</a:t>
-            </a:r>
-          </a:p>
-        </p:txBody>
-      </p:sp>
-      <p:sp>
-        <p:nvSpPr>
-          <p:cNvPr name="TextBox 26" id="26"/>
-          <p:cNvSpPr txBox="true"/>
-          <p:nvPr/>
-        </p:nvSpPr>
-        <p:spPr>
-          <a:xfrm rot="0">
-            <a:off x="1702921" y="7680467"/>
+          <a:xfrm>
+            <a:off x="7541006" y="8564570"/>
             <a:ext cx="3531288" cy="1406525"/>
           </a:xfrm>
           <a:prstGeom prst="rect">
@@ -4248,7 +3763,7 @@
           </a:prstGeom>
         </p:spPr>
         <p:txBody>
-          <a:bodyPr anchor="t" rtlCol="false" tIns="0" lIns="0" bIns="0" rIns="0">
+          <a:bodyPr lIns="0" tIns="0" rIns="0" bIns="0" rtlCol="0" anchor="t">
             <a:spAutoFit/>
           </a:bodyPr>
           <a:lstStyle/>
@@ -4259,89 +3774,175 @@
               </a:lnSpc>
             </a:pPr>
             <a:r>
-              <a:rPr lang="en-US" sz="2000">
+              <a:rPr lang="en-US" sz="2000" dirty="0">
                 <a:solidFill>
                   <a:srgbClr val="000000"/>
                 </a:solidFill>
                 <a:latin typeface="Open Sans"/>
               </a:rPr>
-              <a:t>Dificuldade em administrar múltiplas equipes e atender as necessidades de todas equipes.</a:t>
-            </a:r>
-          </a:p>
-        </p:txBody>
-      </p:sp>
-      <p:sp>
-        <p:nvSpPr>
-          <p:cNvPr name="TextBox 27" id="27"/>
-          <p:cNvSpPr txBox="true"/>
-          <p:nvPr/>
-        </p:nvSpPr>
-        <p:spPr>
-          <a:xfrm rot="0">
-            <a:off x="7770607" y="7680467"/>
-            <a:ext cx="3531288" cy="1406525"/>
-          </a:xfrm>
-          <a:prstGeom prst="rect">
-            <a:avLst/>
-          </a:prstGeom>
-        </p:spPr>
-        <p:txBody>
-          <a:bodyPr anchor="t" rtlCol="false" tIns="0" lIns="0" bIns="0" rIns="0">
-            <a:spAutoFit/>
-          </a:bodyPr>
-          <a:lstStyle/>
-          <a:p>
-            <a:pPr algn="ctr">
-              <a:lnSpc>
-                <a:spcPts val="2800"/>
-              </a:lnSpc>
-            </a:pPr>
-            <a:r>
-              <a:rPr lang="en-US" sz="2000">
+              <a:t>Falta de </a:t>
+            </a:r>
+            <a:r>
+              <a:rPr lang="en-US" sz="2000" dirty="0" err="1">
                 <a:solidFill>
                   <a:srgbClr val="000000"/>
                 </a:solidFill>
                 <a:latin typeface="Open Sans"/>
               </a:rPr>
-              <a:t>Dificuldade em administrar o tempo e atender demandas, além da demora da solução de problemas técnicos.</a:t>
-            </a:r>
-          </a:p>
-        </p:txBody>
-      </p:sp>
-      <p:sp>
-        <p:nvSpPr>
-          <p:cNvPr name="TextBox 28" id="28"/>
-          <p:cNvSpPr txBox="true"/>
-          <p:nvPr/>
-        </p:nvSpPr>
-        <p:spPr>
-          <a:xfrm rot="0">
-            <a:off x="13450329" y="7680467"/>
-            <a:ext cx="3531288" cy="1406525"/>
-          </a:xfrm>
-          <a:prstGeom prst="rect">
-            <a:avLst/>
-          </a:prstGeom>
-        </p:spPr>
-        <p:txBody>
-          <a:bodyPr anchor="t" rtlCol="false" tIns="0" lIns="0" bIns="0" rIns="0">
-            <a:spAutoFit/>
-          </a:bodyPr>
-          <a:lstStyle/>
-          <a:p>
-            <a:pPr algn="ctr">
-              <a:lnSpc>
-                <a:spcPts val="2800"/>
-              </a:lnSpc>
-            </a:pPr>
-            <a:r>
-              <a:rPr lang="en-US" sz="2000">
+              <a:t>previsibilidade</a:t>
+            </a:r>
+            <a:r>
+              <a:rPr lang="en-US" sz="2000" dirty="0">
                 <a:solidFill>
                   <a:srgbClr val="000000"/>
                 </a:solidFill>
                 <a:latin typeface="Open Sans"/>
               </a:rPr>
-              <a:t>Falta de previsibilidade para gestão de tarefas e conseguir atender uma alta demanda constante.</a:t>
+              <a:t> para </a:t>
+            </a:r>
+            <a:r>
+              <a:rPr lang="en-US" sz="2000" dirty="0" err="1">
+                <a:solidFill>
+                  <a:srgbClr val="000000"/>
+                </a:solidFill>
+                <a:latin typeface="Open Sans"/>
+              </a:rPr>
+              <a:t>gestão</a:t>
+            </a:r>
+            <a:r>
+              <a:rPr lang="en-US" sz="2000" dirty="0">
+                <a:solidFill>
+                  <a:srgbClr val="000000"/>
+                </a:solidFill>
+                <a:latin typeface="Open Sans"/>
+              </a:rPr>
+              <a:t> de </a:t>
+            </a:r>
+            <a:r>
+              <a:rPr lang="en-US" sz="2000" dirty="0" err="1">
+                <a:solidFill>
+                  <a:srgbClr val="000000"/>
+                </a:solidFill>
+                <a:latin typeface="Open Sans"/>
+              </a:rPr>
+              <a:t>tarefas</a:t>
+            </a:r>
+            <a:r>
+              <a:rPr lang="en-US" sz="2000" dirty="0">
+                <a:solidFill>
+                  <a:srgbClr val="000000"/>
+                </a:solidFill>
+                <a:latin typeface="Open Sans"/>
+              </a:rPr>
+              <a:t> e </a:t>
+            </a:r>
+            <a:r>
+              <a:rPr lang="en-US" sz="2000" dirty="0" err="1">
+                <a:solidFill>
+                  <a:srgbClr val="000000"/>
+                </a:solidFill>
+                <a:latin typeface="Open Sans"/>
+              </a:rPr>
+              <a:t>conseguir</a:t>
+            </a:r>
+            <a:r>
+              <a:rPr lang="en-US" sz="2000" dirty="0">
+                <a:solidFill>
+                  <a:srgbClr val="000000"/>
+                </a:solidFill>
+                <a:latin typeface="Open Sans"/>
+              </a:rPr>
+              <a:t> </a:t>
+            </a:r>
+            <a:r>
+              <a:rPr lang="en-US" sz="2000" dirty="0" err="1">
+                <a:solidFill>
+                  <a:srgbClr val="000000"/>
+                </a:solidFill>
+                <a:latin typeface="Open Sans"/>
+              </a:rPr>
+              <a:t>atender</a:t>
+            </a:r>
+            <a:r>
+              <a:rPr lang="en-US" sz="2000" dirty="0">
+                <a:solidFill>
+                  <a:srgbClr val="000000"/>
+                </a:solidFill>
+                <a:latin typeface="Open Sans"/>
+              </a:rPr>
+              <a:t> </a:t>
+            </a:r>
+            <a:r>
+              <a:rPr lang="en-US" sz="2000" dirty="0" err="1">
+                <a:solidFill>
+                  <a:srgbClr val="000000"/>
+                </a:solidFill>
+                <a:latin typeface="Open Sans"/>
+              </a:rPr>
+              <a:t>uma</a:t>
+            </a:r>
+            <a:r>
+              <a:rPr lang="en-US" sz="2000" dirty="0">
+                <a:solidFill>
+                  <a:srgbClr val="000000"/>
+                </a:solidFill>
+                <a:latin typeface="Open Sans"/>
+              </a:rPr>
+              <a:t> </a:t>
+            </a:r>
+            <a:r>
+              <a:rPr lang="en-US" sz="2000" dirty="0" err="1">
+                <a:solidFill>
+                  <a:srgbClr val="000000"/>
+                </a:solidFill>
+                <a:latin typeface="Open Sans"/>
+              </a:rPr>
+              <a:t>alta</a:t>
+            </a:r>
+            <a:r>
+              <a:rPr lang="en-US" sz="2000" dirty="0">
+                <a:solidFill>
+                  <a:srgbClr val="000000"/>
+                </a:solidFill>
+                <a:latin typeface="Open Sans"/>
+              </a:rPr>
+              <a:t> </a:t>
+            </a:r>
+            <a:r>
+              <a:rPr lang="en-US" sz="2000" dirty="0" err="1">
+                <a:solidFill>
+                  <a:srgbClr val="000000"/>
+                </a:solidFill>
+                <a:latin typeface="Open Sans"/>
+              </a:rPr>
+              <a:t>demanda</a:t>
+            </a:r>
+            <a:r>
+              <a:rPr lang="en-US" sz="2000" dirty="0">
+                <a:solidFill>
+                  <a:srgbClr val="000000"/>
+                </a:solidFill>
+                <a:latin typeface="Open Sans"/>
+              </a:rPr>
+              <a:t> </a:t>
+            </a:r>
+            <a:r>
+              <a:rPr lang="en-US" sz="2000" dirty="0" err="1">
+                <a:solidFill>
+                  <a:srgbClr val="000000"/>
+                </a:solidFill>
+                <a:latin typeface="Open Sans"/>
+              </a:rPr>
+              <a:t>constante</a:t>
+            </a:r>
+            <a:r>
+              <a:rPr lang="en-US" sz="2000" dirty="0">
+                <a:solidFill>
+                  <a:srgbClr val="000000"/>
+                </a:solidFill>
+                <a:latin typeface="Open Sans"/>
+              </a:rPr>
+              <a:t>.</a:t>
             </a:r>
           </a:p>
         </p:txBody>
